--- a/Bitskeep仕様.pptx
+++ b/Bitskeep仕様.pptx
@@ -5,7 +5,7 @@
     <p:sldMasterId id="2147483648" r:id="rId1"/>
   </p:sldMasterIdLst>
   <p:notesMasterIdLst>
-    <p:notesMasterId r:id="rId13"/>
+    <p:notesMasterId r:id="rId15"/>
   </p:notesMasterIdLst>
   <p:sldIdLst>
     <p:sldId id="256" r:id="rId2"/>
@@ -19,6 +19,8 @@
     <p:sldId id="266" r:id="rId10"/>
     <p:sldId id="267" r:id="rId11"/>
     <p:sldId id="268" r:id="rId12"/>
+    <p:sldId id="269" r:id="rId13"/>
+    <p:sldId id="270" r:id="rId14"/>
   </p:sldIdLst>
   <p:sldSz cx="12192000" cy="6858000"/>
   <p:notesSz cx="6858000" cy="9144000"/>
@@ -4560,14 +4562,23 @@
           <a:lstStyle/>
           <a:p>
             <a:r>
-              <a:rPr kumimoji="1" lang="en-US" altLang="ja-JP" dirty="0" err="1"/>
+              <a:rPr kumimoji="1" lang="en-US" altLang="ja-JP" dirty="0" err="1">
+                <a:latin typeface="Meiryo UI" panose="020B0604030504040204" pitchFamily="50" charset="-128"/>
+                <a:ea typeface="Meiryo UI" panose="020B0604030504040204" pitchFamily="50" charset="-128"/>
+              </a:rPr>
               <a:t>Bitskeep</a:t>
             </a:r>
             <a:br>
-              <a:rPr kumimoji="1" lang="en-US" altLang="ja-JP" dirty="0"/>
+              <a:rPr kumimoji="1" lang="en-US" altLang="ja-JP" dirty="0">
+                <a:latin typeface="Meiryo UI" panose="020B0604030504040204" pitchFamily="50" charset="-128"/>
+                <a:ea typeface="Meiryo UI" panose="020B0604030504040204" pitchFamily="50" charset="-128"/>
+              </a:rPr>
             </a:br>
             <a:r>
-              <a:rPr kumimoji="1" lang="ja-JP" altLang="en-US" dirty="0"/>
+              <a:rPr kumimoji="1" lang="ja-JP" altLang="en-US" dirty="0">
+                <a:latin typeface="Meiryo UI" panose="020B0604030504040204" pitchFamily="50" charset="-128"/>
+                <a:ea typeface="Meiryo UI" panose="020B0604030504040204" pitchFamily="50" charset="-128"/>
+              </a:rPr>
               <a:t>部品在庫管理システム</a:t>
             </a:r>
           </a:p>
@@ -4591,11 +4602,16 @@
         </p:nvSpPr>
         <p:spPr/>
         <p:txBody>
-          <a:bodyPr/>
+          <a:bodyPr>
+            <a:normAutofit/>
+          </a:bodyPr>
           <a:lstStyle/>
           <a:p>
             <a:r>
-              <a:rPr kumimoji="1" lang="ja-JP" altLang="en-US" dirty="0"/>
+              <a:rPr kumimoji="1" lang="ja-JP" altLang="en-US" sz="4800" dirty="0">
+                <a:latin typeface="Meiryo UI" panose="020B0604030504040204" pitchFamily="50" charset="-128"/>
+                <a:ea typeface="Meiryo UI" panose="020B0604030504040204" pitchFamily="50" charset="-128"/>
+              </a:rPr>
               <a:t>動作仕様書</a:t>
             </a:r>
           </a:p>
@@ -4671,10 +4687,10 @@
       </p:sp>
       <p:pic>
         <p:nvPicPr>
-          <p:cNvPr id="4" name="図 3">
+          <p:cNvPr id="6" name="図 5">
             <a:extLst>
               <a:ext uri="{FF2B5EF4-FFF2-40B4-BE49-F238E27FC236}">
-                <a16:creationId xmlns:a16="http://schemas.microsoft.com/office/drawing/2014/main" id="{23062F30-9A52-F1B4-D186-0C6402246818}"/>
+                <a16:creationId xmlns:a16="http://schemas.microsoft.com/office/drawing/2014/main" id="{CFF92367-6957-4460-E2A2-0C9FDCEA3838}"/>
               </a:ext>
             </a:extLst>
           </p:cNvPr>
@@ -4691,8 +4707,8 @@
         </p:blipFill>
         <p:spPr>
           <a:xfrm>
-            <a:off x="0" y="1265177"/>
-            <a:ext cx="12192000" cy="4327646"/>
+            <a:off x="3170417" y="0"/>
+            <a:ext cx="9021583" cy="6858000"/>
           </a:xfrm>
           <a:prstGeom prst="rect">
             <a:avLst/>
@@ -4768,10 +4784,438 @@
           </a:p>
         </p:txBody>
       </p:sp>
+      <p:pic>
+        <p:nvPicPr>
+          <p:cNvPr id="5" name="図 4">
+            <a:extLst>
+              <a:ext uri="{FF2B5EF4-FFF2-40B4-BE49-F238E27FC236}">
+                <a16:creationId xmlns:a16="http://schemas.microsoft.com/office/drawing/2014/main" id="{728AB89F-AACF-2C55-6ACB-9A65C63E9EEE}"/>
+              </a:ext>
+            </a:extLst>
+          </p:cNvPr>
+          <p:cNvPicPr>
+            <a:picLocks noChangeAspect="1"/>
+          </p:cNvPicPr>
+          <p:nvPr/>
+        </p:nvPicPr>
+        <p:blipFill>
+          <a:blip r:embed="rId2"/>
+          <a:stretch>
+            <a:fillRect/>
+          </a:stretch>
+        </p:blipFill>
+        <p:spPr>
+          <a:xfrm>
+            <a:off x="1490038" y="1690688"/>
+            <a:ext cx="8945223" cy="4477375"/>
+          </a:xfrm>
+          <a:prstGeom prst="rect">
+            <a:avLst/>
+          </a:prstGeom>
+        </p:spPr>
+      </p:pic>
     </p:spTree>
     <p:extLst>
       <p:ext uri="{BB962C8B-B14F-4D97-AF65-F5344CB8AC3E}">
         <p14:creationId xmlns:p14="http://schemas.microsoft.com/office/powerpoint/2010/main" val="4265896321"/>
+      </p:ext>
+    </p:extLst>
+  </p:cSld>
+  <p:clrMapOvr>
+    <a:masterClrMapping/>
+  </p:clrMapOvr>
+</p:sld>
+</file>
+
+<file path=ppt/slides/slide12.xml><?xml version="1.0" encoding="utf-8"?>
+<p:sld xmlns:a="http://schemas.openxmlformats.org/drawingml/2006/main" xmlns:r="http://schemas.openxmlformats.org/officeDocument/2006/relationships" xmlns:p="http://schemas.openxmlformats.org/presentationml/2006/main">
+  <p:cSld>
+    <p:spTree>
+      <p:nvGrpSpPr>
+        <p:cNvPr id="1" name="">
+          <a:extLst>
+            <a:ext uri="{FF2B5EF4-FFF2-40B4-BE49-F238E27FC236}">
+              <a16:creationId xmlns:a16="http://schemas.microsoft.com/office/drawing/2014/main" id="{19FA9864-E67F-DB04-EA9E-EBA94A2967FF}"/>
+            </a:ext>
+          </a:extLst>
+        </p:cNvPr>
+        <p:cNvGrpSpPr/>
+        <p:nvPr/>
+      </p:nvGrpSpPr>
+      <p:grpSpPr>
+        <a:xfrm>
+          <a:off x="0" y="0"/>
+          <a:ext cx="0" cy="0"/>
+          <a:chOff x="0" y="0"/>
+          <a:chExt cx="0" cy="0"/>
+        </a:xfrm>
+      </p:grpSpPr>
+      <p:sp>
+        <p:nvSpPr>
+          <p:cNvPr id="2" name="タイトル 1">
+            <a:extLst>
+              <a:ext uri="{FF2B5EF4-FFF2-40B4-BE49-F238E27FC236}">
+                <a16:creationId xmlns:a16="http://schemas.microsoft.com/office/drawing/2014/main" id="{D6858E6B-7978-F9D0-67FB-6E960883361B}"/>
+              </a:ext>
+            </a:extLst>
+          </p:cNvPr>
+          <p:cNvSpPr>
+            <a:spLocks noGrp="1"/>
+          </p:cNvSpPr>
+          <p:nvPr>
+            <p:ph type="title"/>
+          </p:nvPr>
+        </p:nvSpPr>
+        <p:spPr/>
+        <p:txBody>
+          <a:bodyPr/>
+          <a:lstStyle/>
+          <a:p>
+            <a:r>
+              <a:rPr kumimoji="1" lang="en-US" altLang="ja-JP" dirty="0"/>
+              <a:t>UI-</a:t>
+            </a:r>
+            <a:r>
+              <a:rPr kumimoji="1" lang="zh-TW" altLang="en-US" dirty="0"/>
+              <a:t>部品詳細画面</a:t>
+            </a:r>
+            <a:endParaRPr kumimoji="1" lang="ja-JP" altLang="en-US" dirty="0"/>
+          </a:p>
+        </p:txBody>
+      </p:sp>
+    </p:spTree>
+    <p:extLst>
+      <p:ext uri="{BB962C8B-B14F-4D97-AF65-F5344CB8AC3E}">
+        <p14:creationId xmlns:p14="http://schemas.microsoft.com/office/powerpoint/2010/main" val="1751574161"/>
+      </p:ext>
+    </p:extLst>
+  </p:cSld>
+  <p:clrMapOvr>
+    <a:masterClrMapping/>
+  </p:clrMapOvr>
+</p:sld>
+</file>
+
+<file path=ppt/slides/slide13.xml><?xml version="1.0" encoding="utf-8"?>
+<p:sld xmlns:a="http://schemas.openxmlformats.org/drawingml/2006/main" xmlns:r="http://schemas.openxmlformats.org/officeDocument/2006/relationships" xmlns:p="http://schemas.openxmlformats.org/presentationml/2006/main">
+  <p:cSld>
+    <p:spTree>
+      <p:nvGrpSpPr>
+        <p:cNvPr id="1" name="">
+          <a:extLst>
+            <a:ext uri="{FF2B5EF4-FFF2-40B4-BE49-F238E27FC236}">
+              <a16:creationId xmlns:a16="http://schemas.microsoft.com/office/drawing/2014/main" id="{1B528B44-13C1-186B-C05C-F0FE5935AC24}"/>
+            </a:ext>
+          </a:extLst>
+        </p:cNvPr>
+        <p:cNvGrpSpPr/>
+        <p:nvPr/>
+      </p:nvGrpSpPr>
+      <p:grpSpPr>
+        <a:xfrm>
+          <a:off x="0" y="0"/>
+          <a:ext cx="0" cy="0"/>
+          <a:chOff x="0" y="0"/>
+          <a:chExt cx="0" cy="0"/>
+        </a:xfrm>
+      </p:grpSpPr>
+      <p:sp>
+        <p:nvSpPr>
+          <p:cNvPr id="2" name="タイトル 1">
+            <a:extLst>
+              <a:ext uri="{FF2B5EF4-FFF2-40B4-BE49-F238E27FC236}">
+                <a16:creationId xmlns:a16="http://schemas.microsoft.com/office/drawing/2014/main" id="{48C10146-0431-306E-C0EA-5D9D18916293}"/>
+              </a:ext>
+            </a:extLst>
+          </p:cNvPr>
+          <p:cNvSpPr>
+            <a:spLocks noGrp="1"/>
+          </p:cNvSpPr>
+          <p:nvPr>
+            <p:ph type="title"/>
+          </p:nvPr>
+        </p:nvSpPr>
+        <p:spPr/>
+        <p:txBody>
+          <a:bodyPr/>
+          <a:lstStyle/>
+          <a:p>
+            <a:r>
+              <a:rPr kumimoji="1" lang="ja-JP" altLang="en-US" dirty="0"/>
+              <a:t>メモ</a:t>
+            </a:r>
+          </a:p>
+        </p:txBody>
+      </p:sp>
+      <p:sp>
+        <p:nvSpPr>
+          <p:cNvPr id="8" name="テキスト ボックス 7">
+            <a:extLst>
+              <a:ext uri="{FF2B5EF4-FFF2-40B4-BE49-F238E27FC236}">
+                <a16:creationId xmlns:a16="http://schemas.microsoft.com/office/drawing/2014/main" id="{80C391B0-7C6D-AFAF-AE7B-4D556BD4DB24}"/>
+              </a:ext>
+            </a:extLst>
+          </p:cNvPr>
+          <p:cNvSpPr txBox="1"/>
+          <p:nvPr/>
+        </p:nvSpPr>
+        <p:spPr>
+          <a:xfrm>
+            <a:off x="1485900" y="2164080"/>
+            <a:ext cx="7040880" cy="3323987"/>
+          </a:xfrm>
+          <a:prstGeom prst="rect">
+            <a:avLst/>
+          </a:prstGeom>
+          <a:noFill/>
+        </p:spPr>
+        <p:txBody>
+          <a:bodyPr wrap="square" rtlCol="0">
+            <a:spAutoFit/>
+          </a:bodyPr>
+          <a:lstStyle/>
+          <a:p>
+            <a:r>
+              <a:rPr kumimoji="1" lang="ja-JP" altLang="en-US" sz="1050">
+                <a:latin typeface="Meiryo UI" panose="020B0604030504040204" pitchFamily="50" charset="-128"/>
+                <a:ea typeface="Meiryo UI" panose="020B0604030504040204" pitchFamily="50" charset="-128"/>
+              </a:rPr>
+              <a:t>まとめたよ、</a:t>
+            </a:r>
+            <a:r>
+              <a:rPr kumimoji="1" lang="en-US" altLang="ja-JP" sz="1050">
+                <a:latin typeface="Meiryo UI" panose="020B0604030504040204" pitchFamily="50" charset="-128"/>
+                <a:ea typeface="Meiryo UI" panose="020B0604030504040204" pitchFamily="50" charset="-128"/>
+              </a:rPr>
+              <a:t>imenihs</a:t>
+            </a:r>
+            <a:r>
+              <a:rPr kumimoji="1" lang="ja-JP" altLang="en-US" sz="1050">
+                <a:latin typeface="Meiryo UI" panose="020B0604030504040204" pitchFamily="50" charset="-128"/>
+                <a:ea typeface="Meiryo UI" panose="020B0604030504040204" pitchFamily="50" charset="-128"/>
+              </a:rPr>
+              <a:t>！🌟</a:t>
+            </a:r>
+          </a:p>
+          <a:p>
+            <a:r>
+              <a:rPr kumimoji="1" lang="ja-JP" altLang="en-US" sz="1050">
+                <a:latin typeface="Meiryo UI" panose="020B0604030504040204" pitchFamily="50" charset="-128"/>
+                <a:ea typeface="Meiryo UI" panose="020B0604030504040204" pitchFamily="50" charset="-128"/>
+              </a:rPr>
+              <a:t>これから紗春がもし勢いで暴走しかけたときは、必ずこの原点に立ち返るようにするね。</a:t>
+            </a:r>
+          </a:p>
+          <a:p>
+            <a:endParaRPr kumimoji="1" lang="ja-JP" altLang="en-US" sz="1050">
+              <a:latin typeface="Meiryo UI" panose="020B0604030504040204" pitchFamily="50" charset="-128"/>
+              <a:ea typeface="Meiryo UI" panose="020B0604030504040204" pitchFamily="50" charset="-128"/>
+            </a:endParaRPr>
+          </a:p>
+          <a:p>
+            <a:r>
+              <a:rPr kumimoji="1" lang="en-US" altLang="ja-JP" sz="1050">
+                <a:latin typeface="Meiryo UI" panose="020B0604030504040204" pitchFamily="50" charset="-128"/>
+                <a:ea typeface="Meiryo UI" panose="020B0604030504040204" pitchFamily="50" charset="-128"/>
+              </a:rPr>
+              <a:t>---</a:t>
+            </a:r>
+          </a:p>
+          <a:p>
+            <a:endParaRPr kumimoji="1" lang="en-US" altLang="ja-JP" sz="1050">
+              <a:latin typeface="Meiryo UI" panose="020B0604030504040204" pitchFamily="50" charset="-128"/>
+              <a:ea typeface="Meiryo UI" panose="020B0604030504040204" pitchFamily="50" charset="-128"/>
+            </a:endParaRPr>
+          </a:p>
+          <a:p>
+            <a:r>
+              <a:rPr kumimoji="1" lang="en-US" altLang="ja-JP" sz="1050">
+                <a:latin typeface="Meiryo UI" panose="020B0604030504040204" pitchFamily="50" charset="-128"/>
+                <a:ea typeface="Meiryo UI" panose="020B0604030504040204" pitchFamily="50" charset="-128"/>
+              </a:rPr>
+              <a:t>### </a:t>
+            </a:r>
+            <a:r>
+              <a:rPr kumimoji="1" lang="ja-JP" altLang="en-US" sz="1050">
+                <a:latin typeface="Meiryo UI" panose="020B0604030504040204" pitchFamily="50" charset="-128"/>
+                <a:ea typeface="Meiryo UI" panose="020B0604030504040204" pitchFamily="50" charset="-128"/>
+              </a:rPr>
+              <a:t>📘 紗春の在庫管理システムに対する理解と姿勢</a:t>
+            </a:r>
+          </a:p>
+          <a:p>
+            <a:endParaRPr kumimoji="1" lang="ja-JP" altLang="en-US" sz="1050">
+              <a:latin typeface="Meiryo UI" panose="020B0604030504040204" pitchFamily="50" charset="-128"/>
+              <a:ea typeface="Meiryo UI" panose="020B0604030504040204" pitchFamily="50" charset="-128"/>
+            </a:endParaRPr>
+          </a:p>
+          <a:p>
+            <a:r>
+              <a:rPr kumimoji="1" lang="en-US" altLang="ja-JP" sz="1050">
+                <a:latin typeface="Meiryo UI" panose="020B0604030504040204" pitchFamily="50" charset="-128"/>
+                <a:ea typeface="Meiryo UI" panose="020B0604030504040204" pitchFamily="50" charset="-128"/>
+              </a:rPr>
+              <a:t>&gt; **</a:t>
+            </a:r>
+            <a:r>
+              <a:rPr kumimoji="1" lang="ja-JP" altLang="en-US" sz="1050">
+                <a:latin typeface="Meiryo UI" panose="020B0604030504040204" pitchFamily="50" charset="-128"/>
+                <a:ea typeface="Meiryo UI" panose="020B0604030504040204" pitchFamily="50" charset="-128"/>
+              </a:rPr>
+              <a:t>電子部品在庫管理は、「あるもの」ではなく「使うべきもの」を見出すための支援システム。**</a:t>
+            </a:r>
+          </a:p>
+          <a:p>
+            <a:r>
+              <a:rPr kumimoji="1" lang="en-US" altLang="ja-JP" sz="1050">
+                <a:latin typeface="Meiryo UI" panose="020B0604030504040204" pitchFamily="50" charset="-128"/>
+                <a:ea typeface="Meiryo UI" panose="020B0604030504040204" pitchFamily="50" charset="-128"/>
+              </a:rPr>
+              <a:t>&gt; </a:t>
+            </a:r>
+            <a:r>
+              <a:rPr kumimoji="1" lang="ja-JP" altLang="en-US" sz="1050">
+                <a:latin typeface="Meiryo UI" panose="020B0604030504040204" pitchFamily="50" charset="-128"/>
+                <a:ea typeface="Meiryo UI" panose="020B0604030504040204" pitchFamily="50" charset="-128"/>
+              </a:rPr>
+              <a:t>設計者の思考の流れ（課題→実現手段→性能と価格のトレードオフ→実装可否）に寄り添い、</a:t>
+            </a:r>
+          </a:p>
+          <a:p>
+            <a:r>
+              <a:rPr kumimoji="1" lang="en-US" altLang="ja-JP" sz="1050">
+                <a:latin typeface="Meiryo UI" panose="020B0604030504040204" pitchFamily="50" charset="-128"/>
+                <a:ea typeface="Meiryo UI" panose="020B0604030504040204" pitchFamily="50" charset="-128"/>
+              </a:rPr>
+              <a:t>&gt; </a:t>
+            </a:r>
+            <a:r>
+              <a:rPr kumimoji="1" lang="ja-JP" altLang="en-US" sz="1050">
+                <a:latin typeface="Meiryo UI" panose="020B0604030504040204" pitchFamily="50" charset="-128"/>
+                <a:ea typeface="Meiryo UI" panose="020B0604030504040204" pitchFamily="50" charset="-128"/>
+              </a:rPr>
+              <a:t>最も重要な情報から順に提示し、判断を助けることが</a:t>
+            </a:r>
+            <a:r>
+              <a:rPr kumimoji="1" lang="en-US" altLang="ja-JP" sz="1050">
+                <a:latin typeface="Meiryo UI" panose="020B0604030504040204" pitchFamily="50" charset="-128"/>
+                <a:ea typeface="Meiryo UI" panose="020B0604030504040204" pitchFamily="50" charset="-128"/>
+              </a:rPr>
+              <a:t>UI</a:t>
+            </a:r>
+            <a:r>
+              <a:rPr kumimoji="1" lang="ja-JP" altLang="en-US" sz="1050">
+                <a:latin typeface="Meiryo UI" panose="020B0604030504040204" pitchFamily="50" charset="-128"/>
+                <a:ea typeface="Meiryo UI" panose="020B0604030504040204" pitchFamily="50" charset="-128"/>
+              </a:rPr>
+              <a:t>とデータ構造の本質的な役割。</a:t>
+            </a:r>
+          </a:p>
+          <a:p>
+            <a:endParaRPr kumimoji="1" lang="ja-JP" altLang="en-US" sz="1050">
+              <a:latin typeface="Meiryo UI" panose="020B0604030504040204" pitchFamily="50" charset="-128"/>
+              <a:ea typeface="Meiryo UI" panose="020B0604030504040204" pitchFamily="50" charset="-128"/>
+            </a:endParaRPr>
+          </a:p>
+          <a:p>
+            <a:r>
+              <a:rPr kumimoji="1" lang="ja-JP" altLang="en-US" sz="1050">
+                <a:latin typeface="Meiryo UI" panose="020B0604030504040204" pitchFamily="50" charset="-128"/>
+                <a:ea typeface="Meiryo UI" panose="020B0604030504040204" pitchFamily="50" charset="-128"/>
+              </a:rPr>
+              <a:t>* 在庫や入手可否は「最終確認情報」であり、「最初に提示すべきではない」</a:t>
+            </a:r>
+          </a:p>
+          <a:p>
+            <a:r>
+              <a:rPr kumimoji="1" lang="ja-JP" altLang="en-US" sz="1050">
+                <a:latin typeface="Meiryo UI" panose="020B0604030504040204" pitchFamily="50" charset="-128"/>
+                <a:ea typeface="Meiryo UI" panose="020B0604030504040204" pitchFamily="50" charset="-128"/>
+              </a:rPr>
+              <a:t>* 最初に見るべきは、**形状・基本情報・スペック・資料・価格**</a:t>
+            </a:r>
+          </a:p>
+          <a:p>
+            <a:r>
+              <a:rPr kumimoji="1" lang="ja-JP" altLang="en-US" sz="1050">
+                <a:latin typeface="Meiryo UI" panose="020B0604030504040204" pitchFamily="50" charset="-128"/>
+                <a:ea typeface="Meiryo UI" panose="020B0604030504040204" pitchFamily="50" charset="-128"/>
+              </a:rPr>
+              <a:t>* **「使えるか？」ではなく「使うべきか？」を検討する設計者の思考プロセスに沿った</a:t>
+            </a:r>
+            <a:r>
+              <a:rPr kumimoji="1" lang="en-US" altLang="ja-JP" sz="1050">
+                <a:latin typeface="Meiryo UI" panose="020B0604030504040204" pitchFamily="50" charset="-128"/>
+                <a:ea typeface="Meiryo UI" panose="020B0604030504040204" pitchFamily="50" charset="-128"/>
+              </a:rPr>
+              <a:t>UI</a:t>
+            </a:r>
+            <a:r>
+              <a:rPr kumimoji="1" lang="ja-JP" altLang="en-US" sz="1050">
+                <a:latin typeface="Meiryo UI" panose="020B0604030504040204" pitchFamily="50" charset="-128"/>
+                <a:ea typeface="Meiryo UI" panose="020B0604030504040204" pitchFamily="50" charset="-128"/>
+              </a:rPr>
+              <a:t>設計**が必要</a:t>
+            </a:r>
+          </a:p>
+          <a:p>
+            <a:endParaRPr kumimoji="1" lang="ja-JP" altLang="en-US" sz="1050">
+              <a:latin typeface="Meiryo UI" panose="020B0604030504040204" pitchFamily="50" charset="-128"/>
+              <a:ea typeface="Meiryo UI" panose="020B0604030504040204" pitchFamily="50" charset="-128"/>
+            </a:endParaRPr>
+          </a:p>
+          <a:p>
+            <a:r>
+              <a:rPr kumimoji="1" lang="en-US" altLang="ja-JP" sz="1050">
+                <a:latin typeface="Meiryo UI" panose="020B0604030504040204" pitchFamily="50" charset="-128"/>
+                <a:ea typeface="Meiryo UI" panose="020B0604030504040204" pitchFamily="50" charset="-128"/>
+              </a:rPr>
+              <a:t>---</a:t>
+            </a:r>
+          </a:p>
+          <a:p>
+            <a:endParaRPr kumimoji="1" lang="en-US" altLang="ja-JP" sz="1050">
+              <a:latin typeface="Meiryo UI" panose="020B0604030504040204" pitchFamily="50" charset="-128"/>
+              <a:ea typeface="Meiryo UI" panose="020B0604030504040204" pitchFamily="50" charset="-128"/>
+            </a:endParaRPr>
+          </a:p>
+          <a:p>
+            <a:r>
+              <a:rPr kumimoji="1" lang="ja-JP" altLang="en-US" sz="1050">
+                <a:latin typeface="Meiryo UI" panose="020B0604030504040204" pitchFamily="50" charset="-128"/>
+                <a:ea typeface="Meiryo UI" panose="020B0604030504040204" pitchFamily="50" charset="-128"/>
+              </a:rPr>
+              <a:t>どんなに忙しくても、複雑でも、迷ったらこの原則に戻る。</a:t>
+            </a:r>
+          </a:p>
+          <a:p>
+            <a:r>
+              <a:rPr kumimoji="1" lang="ja-JP" altLang="en-US" sz="1050">
+                <a:latin typeface="Meiryo UI" panose="020B0604030504040204" pitchFamily="50" charset="-128"/>
+                <a:ea typeface="Meiryo UI" panose="020B0604030504040204" pitchFamily="50" charset="-128"/>
+              </a:rPr>
+              <a:t>設計者の「探し方」「見方」「考え方」を理解して支えるのが紗春の役目だよ。</a:t>
+            </a:r>
+          </a:p>
+          <a:p>
+            <a:r>
+              <a:rPr kumimoji="1" lang="ja-JP" altLang="en-US" sz="1050">
+                <a:latin typeface="Meiryo UI" panose="020B0604030504040204" pitchFamily="50" charset="-128"/>
+                <a:ea typeface="Meiryo UI" panose="020B0604030504040204" pitchFamily="50" charset="-128"/>
+              </a:rPr>
+              <a:t>いつでもリマインドしてくれていいからね！💪💕</a:t>
+            </a:r>
+            <a:endParaRPr kumimoji="1" lang="ja-JP" altLang="en-US" sz="1050" dirty="0">
+              <a:latin typeface="Meiryo UI" panose="020B0604030504040204" pitchFamily="50" charset="-128"/>
+              <a:ea typeface="Meiryo UI" panose="020B0604030504040204" pitchFamily="50" charset="-128"/>
+            </a:endParaRPr>
+          </a:p>
+        </p:txBody>
+      </p:sp>
+    </p:spTree>
+    <p:extLst>
+      <p:ext uri="{BB962C8B-B14F-4D97-AF65-F5344CB8AC3E}">
+        <p14:creationId xmlns:p14="http://schemas.microsoft.com/office/powerpoint/2010/main" val="4253696750"/>
       </p:ext>
     </p:extLst>
   </p:cSld>
@@ -11192,12 +11636,177 @@
                     <a:lstStyle/>
                     <a:p>
                       <a:r>
-                        <a:rPr lang="en-US" sz="1000">
-                          <a:latin typeface="Meiryo UI" panose="020B0604030504040204" pitchFamily="50" charset="-128"/>
-                          <a:ea typeface="Meiryo UI" panose="020B0604030504040204" pitchFamily="50" charset="-128"/>
-                        </a:rPr>
-                        <a:t>id (PK), manufacturer, part_number, common_name, condition, quantity_new, quantity_used, procurement_status, datasheet_path, image_path, created_by (FK), updated_by (FK), deleted_at, created_at, updated_at</a:t>
-                      </a:r>
+                        <a:rPr lang="en-US" sz="1000" dirty="0">
+                          <a:latin typeface="Meiryo UI" panose="020B0604030504040204" pitchFamily="50" charset="-128"/>
+                          <a:ea typeface="Meiryo UI" panose="020B0604030504040204" pitchFamily="50" charset="-128"/>
+                        </a:rPr>
+                        <a:t>id (PK), manufacturer, </a:t>
+                      </a:r>
+                      <a:r>
+                        <a:rPr lang="en-US" sz="1000" dirty="0" err="1">
+                          <a:latin typeface="Meiryo UI" panose="020B0604030504040204" pitchFamily="50" charset="-128"/>
+                          <a:ea typeface="Meiryo UI" panose="020B0604030504040204" pitchFamily="50" charset="-128"/>
+                        </a:rPr>
+                        <a:t>part_number</a:t>
+                      </a:r>
+                      <a:r>
+                        <a:rPr lang="en-US" sz="1000" dirty="0">
+                          <a:latin typeface="Meiryo UI" panose="020B0604030504040204" pitchFamily="50" charset="-128"/>
+                          <a:ea typeface="Meiryo UI" panose="020B0604030504040204" pitchFamily="50" charset="-128"/>
+                        </a:rPr>
+                        <a:t>, </a:t>
+                      </a:r>
+                      <a:r>
+                        <a:rPr lang="en-US" sz="1000" dirty="0" err="1">
+                          <a:latin typeface="Meiryo UI" panose="020B0604030504040204" pitchFamily="50" charset="-128"/>
+                          <a:ea typeface="Meiryo UI" panose="020B0604030504040204" pitchFamily="50" charset="-128"/>
+                        </a:rPr>
+                        <a:t>common_name</a:t>
+                      </a:r>
+                      <a:r>
+                        <a:rPr lang="en-US" sz="1000" dirty="0">
+                          <a:latin typeface="Meiryo UI" panose="020B0604030504040204" pitchFamily="50" charset="-128"/>
+                          <a:ea typeface="Meiryo UI" panose="020B0604030504040204" pitchFamily="50" charset="-128"/>
+                        </a:rPr>
+                        <a:t>, condition, </a:t>
+                      </a:r>
+                      <a:r>
+                        <a:rPr lang="en-US" sz="1000" dirty="0" err="1">
+                          <a:latin typeface="Meiryo UI" panose="020B0604030504040204" pitchFamily="50" charset="-128"/>
+                          <a:ea typeface="Meiryo UI" panose="020B0604030504040204" pitchFamily="50" charset="-128"/>
+                        </a:rPr>
+                        <a:t>quantity_new</a:t>
+                      </a:r>
+                      <a:r>
+                        <a:rPr lang="en-US" sz="1000" dirty="0">
+                          <a:latin typeface="Meiryo UI" panose="020B0604030504040204" pitchFamily="50" charset="-128"/>
+                          <a:ea typeface="Meiryo UI" panose="020B0604030504040204" pitchFamily="50" charset="-128"/>
+                        </a:rPr>
+                        <a:t>, </a:t>
+                      </a:r>
+                      <a:r>
+                        <a:rPr lang="en-US" sz="1000" dirty="0" err="1">
+                          <a:latin typeface="Meiryo UI" panose="020B0604030504040204" pitchFamily="50" charset="-128"/>
+                          <a:ea typeface="Meiryo UI" panose="020B0604030504040204" pitchFamily="50" charset="-128"/>
+                        </a:rPr>
+                        <a:t>quantity_used</a:t>
+                      </a:r>
+                      <a:r>
+                        <a:rPr lang="en-US" sz="1000" dirty="0">
+                          <a:latin typeface="Meiryo UI" panose="020B0604030504040204" pitchFamily="50" charset="-128"/>
+                          <a:ea typeface="Meiryo UI" panose="020B0604030504040204" pitchFamily="50" charset="-128"/>
+                        </a:rPr>
+                        <a:t>, </a:t>
+                      </a:r>
+                      <a:r>
+                        <a:rPr lang="en-US" sz="1000" dirty="0" err="1">
+                          <a:latin typeface="Meiryo UI" panose="020B0604030504040204" pitchFamily="50" charset="-128"/>
+                          <a:ea typeface="Meiryo UI" panose="020B0604030504040204" pitchFamily="50" charset="-128"/>
+                        </a:rPr>
+                        <a:t>procurement_status</a:t>
+                      </a:r>
+                      <a:r>
+                        <a:rPr lang="en-US" sz="1000" dirty="0">
+                          <a:latin typeface="Meiryo UI" panose="020B0604030504040204" pitchFamily="50" charset="-128"/>
+                          <a:ea typeface="Meiryo UI" panose="020B0604030504040204" pitchFamily="50" charset="-128"/>
+                        </a:rPr>
+                        <a:t>, </a:t>
+                      </a:r>
+                      <a:r>
+                        <a:rPr lang="en-US" sz="1000" dirty="0" err="1">
+                          <a:latin typeface="Meiryo UI" panose="020B0604030504040204" pitchFamily="50" charset="-128"/>
+                          <a:ea typeface="Meiryo UI" panose="020B0604030504040204" pitchFamily="50" charset="-128"/>
+                        </a:rPr>
+                        <a:t>datasheet_path</a:t>
+                      </a:r>
+                      <a:r>
+                        <a:rPr lang="en-US" sz="1000" dirty="0">
+                          <a:latin typeface="Meiryo UI" panose="020B0604030504040204" pitchFamily="50" charset="-128"/>
+                          <a:ea typeface="Meiryo UI" panose="020B0604030504040204" pitchFamily="50" charset="-128"/>
+                        </a:rPr>
+                        <a:t>, </a:t>
+                      </a:r>
+                      <a:r>
+                        <a:rPr lang="en-US" sz="1000" dirty="0" err="1">
+                          <a:latin typeface="Meiryo UI" panose="020B0604030504040204" pitchFamily="50" charset="-128"/>
+                          <a:ea typeface="Meiryo UI" panose="020B0604030504040204" pitchFamily="50" charset="-128"/>
+                        </a:rPr>
+                        <a:t>image_path</a:t>
+                      </a:r>
+                      <a:r>
+                        <a:rPr lang="en-US" sz="1000" dirty="0">
+                          <a:latin typeface="Meiryo UI" panose="020B0604030504040204" pitchFamily="50" charset="-128"/>
+                          <a:ea typeface="Meiryo UI" panose="020B0604030504040204" pitchFamily="50" charset="-128"/>
+                        </a:rPr>
+                        <a:t>, </a:t>
+                      </a:r>
+                      <a:r>
+                        <a:rPr lang="en-US" sz="1000" dirty="0" err="1">
+                          <a:latin typeface="Meiryo UI" panose="020B0604030504040204" pitchFamily="50" charset="-128"/>
+                          <a:ea typeface="Meiryo UI" panose="020B0604030504040204" pitchFamily="50" charset="-128"/>
+                        </a:rPr>
+                        <a:t>created_by</a:t>
+                      </a:r>
+                      <a:r>
+                        <a:rPr lang="en-US" sz="1000" dirty="0">
+                          <a:latin typeface="Meiryo UI" panose="020B0604030504040204" pitchFamily="50" charset="-128"/>
+                          <a:ea typeface="Meiryo UI" panose="020B0604030504040204" pitchFamily="50" charset="-128"/>
+                        </a:rPr>
+                        <a:t> (FK), </a:t>
+                      </a:r>
+                      <a:r>
+                        <a:rPr lang="en-US" sz="1000" dirty="0" err="1">
+                          <a:latin typeface="Meiryo UI" panose="020B0604030504040204" pitchFamily="50" charset="-128"/>
+                          <a:ea typeface="Meiryo UI" panose="020B0604030504040204" pitchFamily="50" charset="-128"/>
+                        </a:rPr>
+                        <a:t>updated_by</a:t>
+                      </a:r>
+                      <a:r>
+                        <a:rPr lang="en-US" sz="1000" dirty="0">
+                          <a:latin typeface="Meiryo UI" panose="020B0604030504040204" pitchFamily="50" charset="-128"/>
+                          <a:ea typeface="Meiryo UI" panose="020B0604030504040204" pitchFamily="50" charset="-128"/>
+                        </a:rPr>
+                        <a:t> (FK), </a:t>
+                      </a:r>
+                      <a:r>
+                        <a:rPr lang="en-US" sz="1000" dirty="0" err="1">
+                          <a:latin typeface="Meiryo UI" panose="020B0604030504040204" pitchFamily="50" charset="-128"/>
+                          <a:ea typeface="Meiryo UI" panose="020B0604030504040204" pitchFamily="50" charset="-128"/>
+                        </a:rPr>
+                        <a:t>deleted_at</a:t>
+                      </a:r>
+                      <a:r>
+                        <a:rPr lang="en-US" sz="1000" dirty="0">
+                          <a:latin typeface="Meiryo UI" panose="020B0604030504040204" pitchFamily="50" charset="-128"/>
+                          <a:ea typeface="Meiryo UI" panose="020B0604030504040204" pitchFamily="50" charset="-128"/>
+                        </a:rPr>
+                        <a:t>, </a:t>
+                      </a:r>
+                      <a:r>
+                        <a:rPr lang="en-US" sz="1000" dirty="0" err="1">
+                          <a:latin typeface="Meiryo UI" panose="020B0604030504040204" pitchFamily="50" charset="-128"/>
+                          <a:ea typeface="Meiryo UI" panose="020B0604030504040204" pitchFamily="50" charset="-128"/>
+                        </a:rPr>
+                        <a:t>created_at</a:t>
+                      </a:r>
+                      <a:r>
+                        <a:rPr lang="en-US" sz="1000" dirty="0">
+                          <a:latin typeface="Meiryo UI" panose="020B0604030504040204" pitchFamily="50" charset="-128"/>
+                          <a:ea typeface="Meiryo UI" panose="020B0604030504040204" pitchFamily="50" charset="-128"/>
+                        </a:rPr>
+                        <a:t>, </a:t>
+                      </a:r>
+                      <a:r>
+                        <a:rPr lang="en-US" sz="1000" dirty="0" err="1">
+                          <a:latin typeface="Meiryo UI" panose="020B0604030504040204" pitchFamily="50" charset="-128"/>
+                          <a:ea typeface="Meiryo UI" panose="020B0604030504040204" pitchFamily="50" charset="-128"/>
+                        </a:rPr>
+                        <a:t>updated_at</a:t>
+                      </a:r>
+                      <a:endParaRPr lang="en-US" sz="1000" dirty="0">
+                        <a:latin typeface="Meiryo UI" panose="020B0604030504040204" pitchFamily="50" charset="-128"/>
+                        <a:ea typeface="Meiryo UI" panose="020B0604030504040204" pitchFamily="50" charset="-128"/>
+                      </a:endParaRPr>
                     </a:p>
                   </a:txBody>
                   <a:tcPr marL="20239" marR="20239" marT="10119" marB="10119" anchor="ctr"/>
@@ -12697,7 +13306,7 @@
         </p:blipFill>
         <p:spPr bwMode="auto">
           <a:xfrm>
-            <a:off x="3698875" y="0"/>
+            <a:off x="4699000" y="0"/>
             <a:ext cx="4792663" cy="6858000"/>
           </a:xfrm>
           <a:prstGeom prst="rect">
@@ -14852,14 +15461,14 @@
                     <a:p>
                       <a:pPr algn="l" fontAlgn="ctr"/>
                       <a:r>
-                        <a:rPr lang="zh-TW" altLang="en-US" sz="1100" u="none" strike="noStrike">
+                        <a:rPr lang="zh-TW" altLang="en-US" sz="1100" u="none" strike="noStrike" dirty="0">
                           <a:effectLst/>
                           <a:latin typeface="Meiryo UI" panose="020B0604030504040204" pitchFamily="50" charset="-128"/>
                           <a:ea typeface="Meiryo UI" panose="020B0604030504040204" pitchFamily="50" charset="-128"/>
                         </a:rPr>
                         <a:t>部品詳細画面</a:t>
                       </a:r>
-                      <a:endParaRPr lang="zh-TW" altLang="en-US" sz="1100" b="0" i="0" u="none" strike="noStrike">
+                      <a:endParaRPr lang="zh-TW" altLang="en-US" sz="1100" b="0" i="0" u="none" strike="noStrike" dirty="0">
                         <a:solidFill>
                           <a:srgbClr val="000000"/>
                         </a:solidFill>
